--- a/2025/01月/01-01-2025.pptx
+++ b/2025/01月/01-01-2025.pptx
@@ -45,6 +45,9 @@
     <p:sldId id="300" r:id="rId39"/>
     <p:sldId id="301" r:id="rId40"/>
     <p:sldId id="302" r:id="rId41"/>
+    <p:sldId id="303" r:id="rId42"/>
+    <p:sldId id="304" r:id="rId43"/>
+    <p:sldId id="305" r:id="rId44"/>
   </p:sldIdLst>
   <p:sldSz cx="12192000" cy="6858000"/>
   <p:notesSz cx="6858000" cy="9144000"/>
@@ -143,6 +146,11 @@
       </a:defRPr>
     </a:lvl9pPr>
   </p:defaultTextStyle>
+  <p:extLst>
+    <p:ext uri="{EFAFB233-063F-42B5-8137-9DF3F51BA10A}">
+      <p15:sldGuideLst xmlns:p15="http://schemas.microsoft.com/office/powerpoint/2012/main"/>
+    </p:ext>
+  </p:extLst>
 </p:presentation>
 </file>
 
@@ -327,7 +335,7 @@
           <a:p>
             <a:fld id="{99275E30-D349-4DF7-9DA6-27D8CB0D4DE4}" type="datetimeFigureOut">
               <a:rPr lang="en-US" smtClean="0"/>
-              <a:t>1/1/2025</a:t>
+              <a:t>1/2/2025</a:t>
             </a:fld>
             <a:endParaRPr lang="en-US"/>
           </a:p>
@@ -497,7 +505,7 @@
           <a:p>
             <a:fld id="{99275E30-D349-4DF7-9DA6-27D8CB0D4DE4}" type="datetimeFigureOut">
               <a:rPr lang="en-US" smtClean="0"/>
-              <a:t>1/1/2025</a:t>
+              <a:t>1/2/2025</a:t>
             </a:fld>
             <a:endParaRPr lang="en-US"/>
           </a:p>
@@ -677,7 +685,7 @@
           <a:p>
             <a:fld id="{99275E30-D349-4DF7-9DA6-27D8CB0D4DE4}" type="datetimeFigureOut">
               <a:rPr lang="en-US" smtClean="0"/>
-              <a:t>1/1/2025</a:t>
+              <a:t>1/2/2025</a:t>
             </a:fld>
             <a:endParaRPr lang="en-US"/>
           </a:p>
@@ -847,7 +855,7 @@
           <a:p>
             <a:fld id="{99275E30-D349-4DF7-9DA6-27D8CB0D4DE4}" type="datetimeFigureOut">
               <a:rPr lang="en-US" smtClean="0"/>
-              <a:t>1/1/2025</a:t>
+              <a:t>1/2/2025</a:t>
             </a:fld>
             <a:endParaRPr lang="en-US"/>
           </a:p>
@@ -1093,7 +1101,7 @@
           <a:p>
             <a:fld id="{99275E30-D349-4DF7-9DA6-27D8CB0D4DE4}" type="datetimeFigureOut">
               <a:rPr lang="en-US" smtClean="0"/>
-              <a:t>1/1/2025</a:t>
+              <a:t>1/2/2025</a:t>
             </a:fld>
             <a:endParaRPr lang="en-US"/>
           </a:p>
@@ -1381,7 +1389,7 @@
           <a:p>
             <a:fld id="{99275E30-D349-4DF7-9DA6-27D8CB0D4DE4}" type="datetimeFigureOut">
               <a:rPr lang="en-US" smtClean="0"/>
-              <a:t>1/1/2025</a:t>
+              <a:t>1/2/2025</a:t>
             </a:fld>
             <a:endParaRPr lang="en-US"/>
           </a:p>
@@ -1803,7 +1811,7 @@
           <a:p>
             <a:fld id="{99275E30-D349-4DF7-9DA6-27D8CB0D4DE4}" type="datetimeFigureOut">
               <a:rPr lang="en-US" smtClean="0"/>
-              <a:t>1/1/2025</a:t>
+              <a:t>1/2/2025</a:t>
             </a:fld>
             <a:endParaRPr lang="en-US"/>
           </a:p>
@@ -1921,7 +1929,7 @@
           <a:p>
             <a:fld id="{99275E30-D349-4DF7-9DA6-27D8CB0D4DE4}" type="datetimeFigureOut">
               <a:rPr lang="en-US" smtClean="0"/>
-              <a:t>1/1/2025</a:t>
+              <a:t>1/2/2025</a:t>
             </a:fld>
             <a:endParaRPr lang="en-US"/>
           </a:p>
@@ -2016,7 +2024,7 @@
           <a:p>
             <a:fld id="{99275E30-D349-4DF7-9DA6-27D8CB0D4DE4}" type="datetimeFigureOut">
               <a:rPr lang="en-US" smtClean="0"/>
-              <a:t>1/1/2025</a:t>
+              <a:t>1/2/2025</a:t>
             </a:fld>
             <a:endParaRPr lang="en-US"/>
           </a:p>
@@ -2293,7 +2301,7 @@
           <a:p>
             <a:fld id="{99275E30-D349-4DF7-9DA6-27D8CB0D4DE4}" type="datetimeFigureOut">
               <a:rPr lang="en-US" smtClean="0"/>
-              <a:t>1/1/2025</a:t>
+              <a:t>1/2/2025</a:t>
             </a:fld>
             <a:endParaRPr lang="en-US"/>
           </a:p>
@@ -2550,7 +2558,7 @@
           <a:p>
             <a:fld id="{99275E30-D349-4DF7-9DA6-27D8CB0D4DE4}" type="datetimeFigureOut">
               <a:rPr lang="en-US" smtClean="0"/>
-              <a:t>1/1/2025</a:t>
+              <a:t>1/2/2025</a:t>
             </a:fld>
             <a:endParaRPr lang="en-US"/>
           </a:p>
@@ -2766,7 +2774,7 @@
           <a:p>
             <a:fld id="{99275E30-D349-4DF7-9DA6-27D8CB0D4DE4}" type="datetimeFigureOut">
               <a:rPr lang="en-US" smtClean="0"/>
-              <a:t>1/1/2025</a:t>
+              <a:t>1/2/2025</a:t>
             </a:fld>
             <a:endParaRPr lang="en-US"/>
           </a:p>
@@ -7634,6 +7642,472 @@
     <p:extLst>
       <p:ext uri="{BB962C8B-B14F-4D97-AF65-F5344CB8AC3E}">
         <p14:creationId xmlns:p14="http://schemas.microsoft.com/office/powerpoint/2010/main" val="3590457820"/>
+      </p:ext>
+    </p:extLst>
+  </p:cSld>
+  <p:clrMapOvr>
+    <a:masterClrMapping/>
+  </p:clrMapOvr>
+</p:sld>
+</file>
+
+<file path=ppt/slides/slide41.xml><?xml version="1.0" encoding="utf-8"?>
+<p:sld xmlns:a="http://schemas.openxmlformats.org/drawingml/2006/main" xmlns:r="http://schemas.openxmlformats.org/officeDocument/2006/relationships" xmlns:p="http://schemas.openxmlformats.org/presentationml/2006/main">
+  <p:cSld>
+    <p:spTree>
+      <p:nvGrpSpPr>
+        <p:cNvPr id="1" name="">
+          <a:extLst>
+            <a:ext uri="{FF2B5EF4-FFF2-40B4-BE49-F238E27FC236}">
+              <a16:creationId xmlns:a16="http://schemas.microsoft.com/office/drawing/2014/main" id="{04E014BD-AA9E-6C3E-09BB-0125B8E37FF4}"/>
+            </a:ext>
+          </a:extLst>
+        </p:cNvPr>
+        <p:cNvGrpSpPr/>
+        <p:nvPr/>
+      </p:nvGrpSpPr>
+      <p:grpSpPr>
+        <a:xfrm>
+          <a:off x="0" y="0"/>
+          <a:ext cx="0" cy="0"/>
+          <a:chOff x="0" y="0"/>
+          <a:chExt cx="0" cy="0"/>
+        </a:xfrm>
+      </p:grpSpPr>
+      <p:sp>
+        <p:nvSpPr>
+          <p:cNvPr id="4" name="標題 3">
+            <a:extLst>
+              <a:ext uri="{FF2B5EF4-FFF2-40B4-BE49-F238E27FC236}">
+                <a16:creationId xmlns:a16="http://schemas.microsoft.com/office/drawing/2014/main" id="{5B53C2E7-286C-1EFC-A7A5-6D68A0A40030}"/>
+              </a:ext>
+            </a:extLst>
+          </p:cNvPr>
+          <p:cNvSpPr>
+            <a:spLocks noGrp="1"/>
+          </p:cNvSpPr>
+          <p:nvPr>
+            <p:ph type="title"/>
+          </p:nvPr>
+        </p:nvSpPr>
+        <p:spPr>
+          <a:xfrm>
+            <a:off x="0" y="2756925"/>
+            <a:ext cx="12192000" cy="1143000"/>
+          </a:xfrm>
+        </p:spPr>
+        <p:txBody>
+          <a:bodyPr>
+            <a:noAutofit/>
+          </a:bodyPr>
+          <a:lstStyle/>
+          <a:p>
+            <a:r>
+              <a:rPr lang="zh-CN" altLang="en-US" sz="5333" b="1" u="sng" dirty="0">
+                <a:solidFill>
+                  <a:srgbClr val="660033"/>
+                </a:solidFill>
+                <a:effectLst>
+                  <a:outerShdw blurRad="38100" dist="38100" dir="2700000" algn="tl">
+                    <a:srgbClr val="000000">
+                      <a:alpha val="43137"/>
+                    </a:srgbClr>
+                  </a:outerShdw>
+                </a:effectLst>
+                <a:latin typeface="微軟正黑體" pitchFamily="34" charset="-120"/>
+                <a:ea typeface="微軟正黑體" pitchFamily="34" charset="-120"/>
+              </a:rPr>
+              <a:t>宣道詩 </a:t>
+            </a:r>
+            <a:r>
+              <a:rPr lang="en-US" altLang="zh-CN" sz="5333" b="1" u="sng" dirty="0">
+                <a:solidFill>
+                  <a:srgbClr val="660033"/>
+                </a:solidFill>
+                <a:effectLst>
+                  <a:outerShdw blurRad="38100" dist="38100" dir="2700000" algn="tl">
+                    <a:srgbClr val="000000">
+                      <a:alpha val="43137"/>
+                    </a:srgbClr>
+                  </a:outerShdw>
+                </a:effectLst>
+                <a:latin typeface="微軟正黑體" pitchFamily="34" charset="-120"/>
+                <a:ea typeface="微軟正黑體" pitchFamily="34" charset="-120"/>
+              </a:rPr>
+              <a:t>132</a:t>
+            </a:r>
+            <a:br>
+              <a:rPr lang="en-US" altLang="zh-CN" sz="7200" b="1" i="1" dirty="0">
+                <a:solidFill>
+                  <a:schemeClr val="bg1"/>
+                </a:solidFill>
+                <a:effectLst>
+                  <a:outerShdw blurRad="38100" dist="38100" dir="2700000" algn="tl">
+                    <a:srgbClr val="000000">
+                      <a:alpha val="43137"/>
+                    </a:srgbClr>
+                  </a:outerShdw>
+                </a:effectLst>
+                <a:latin typeface="微軟正黑體" pitchFamily="34" charset="-120"/>
+                <a:ea typeface="微軟正黑體" pitchFamily="34" charset="-120"/>
+              </a:rPr>
+            </a:br>
+            <a:r>
+              <a:rPr lang="zh-CN" altLang="en-US" sz="8000" b="1" dirty="0">
+                <a:solidFill>
+                  <a:srgbClr val="000066"/>
+                </a:solidFill>
+                <a:effectLst>
+                  <a:outerShdw blurRad="38100" dist="38100" dir="2700000" algn="tl">
+                    <a:srgbClr val="000000">
+                      <a:alpha val="43137"/>
+                    </a:srgbClr>
+                  </a:outerShdw>
+                </a:effectLst>
+                <a:latin typeface="微軟正黑體" pitchFamily="34" charset="-120"/>
+                <a:ea typeface="微軟正黑體" pitchFamily="34" charset="-120"/>
+              </a:rPr>
+              <a:t>禱告良辰</a:t>
+            </a:r>
+            <a:endParaRPr lang="zh-TW" altLang="en-US" sz="8000" b="1" dirty="0">
+              <a:solidFill>
+                <a:srgbClr val="000066"/>
+              </a:solidFill>
+              <a:effectLst>
+                <a:outerShdw blurRad="38100" dist="38100" dir="2700000" algn="tl">
+                  <a:srgbClr val="000000">
+                    <a:alpha val="43137"/>
+                  </a:srgbClr>
+                </a:outerShdw>
+              </a:effectLst>
+              <a:latin typeface="微軟正黑體" pitchFamily="34" charset="-120"/>
+              <a:ea typeface="微軟正黑體" pitchFamily="34" charset="-120"/>
+            </a:endParaRPr>
+          </a:p>
+        </p:txBody>
+      </p:sp>
+    </p:spTree>
+    <p:extLst>
+      <p:ext uri="{BB962C8B-B14F-4D97-AF65-F5344CB8AC3E}">
+        <p14:creationId xmlns:p14="http://schemas.microsoft.com/office/powerpoint/2010/main" val="835203760"/>
+      </p:ext>
+    </p:extLst>
+  </p:cSld>
+  <p:clrMapOvr>
+    <a:masterClrMapping/>
+  </p:clrMapOvr>
+</p:sld>
+</file>
+
+<file path=ppt/slides/slide42.xml><?xml version="1.0" encoding="utf-8"?>
+<p:sld xmlns:a="http://schemas.openxmlformats.org/drawingml/2006/main" xmlns:r="http://schemas.openxmlformats.org/officeDocument/2006/relationships" xmlns:p="http://schemas.openxmlformats.org/presentationml/2006/main">
+  <p:cSld>
+    <p:spTree>
+      <p:nvGrpSpPr>
+        <p:cNvPr id="1" name="">
+          <a:extLst>
+            <a:ext uri="{FF2B5EF4-FFF2-40B4-BE49-F238E27FC236}">
+              <a16:creationId xmlns:a16="http://schemas.microsoft.com/office/drawing/2014/main" id="{29326305-E9E7-EC4B-3674-6EDD8F19AB43}"/>
+            </a:ext>
+          </a:extLst>
+        </p:cNvPr>
+        <p:cNvGrpSpPr/>
+        <p:nvPr/>
+      </p:nvGrpSpPr>
+      <p:grpSpPr>
+        <a:xfrm>
+          <a:off x="0" y="0"/>
+          <a:ext cx="0" cy="0"/>
+          <a:chOff x="0" y="0"/>
+          <a:chExt cx="0" cy="0"/>
+        </a:xfrm>
+      </p:grpSpPr>
+      <p:sp>
+        <p:nvSpPr>
+          <p:cNvPr id="5" name="內容版面配置區 4">
+            <a:extLst>
+              <a:ext uri="{FF2B5EF4-FFF2-40B4-BE49-F238E27FC236}">
+                <a16:creationId xmlns:a16="http://schemas.microsoft.com/office/drawing/2014/main" id="{1FEE0DA7-1170-5A13-3ECB-0C6CC086BD96}"/>
+              </a:ext>
+            </a:extLst>
+          </p:cNvPr>
+          <p:cNvSpPr>
+            <a:spLocks noGrp="1"/>
+          </p:cNvSpPr>
+          <p:nvPr>
+            <p:ph idx="1"/>
+          </p:nvPr>
+        </p:nvSpPr>
+        <p:spPr>
+          <a:xfrm>
+            <a:off x="0" y="2084851"/>
+            <a:ext cx="12192000" cy="2404863"/>
+          </a:xfrm>
+        </p:spPr>
+        <p:txBody>
+          <a:bodyPr anchor="ctr">
+            <a:normAutofit/>
+          </a:bodyPr>
+          <a:lstStyle/>
+          <a:p>
+            <a:pPr marL="0" indent="0" algn="ctr">
+              <a:buNone/>
+            </a:pPr>
+            <a:r>
+              <a:rPr lang="zh-CN" altLang="en-US" sz="6400" b="1" dirty="0">
+                <a:solidFill>
+                  <a:srgbClr val="000066"/>
+                </a:solidFill>
+                <a:effectLst/>
+                <a:latin typeface="Microsoft JhengHei" pitchFamily="34" charset="-120"/>
+                <a:ea typeface="Microsoft JhengHei" pitchFamily="34" charset="-120"/>
+              </a:rPr>
+              <a:t>禱告良辰何等歡欣</a:t>
+            </a:r>
+            <a:endParaRPr lang="en-US" altLang="zh-CN" sz="6400" b="1" dirty="0">
+              <a:solidFill>
+                <a:srgbClr val="000066"/>
+              </a:solidFill>
+              <a:effectLst/>
+              <a:latin typeface="Microsoft JhengHei" pitchFamily="34" charset="-120"/>
+              <a:ea typeface="Microsoft JhengHei" pitchFamily="34" charset="-120"/>
+            </a:endParaRPr>
+          </a:p>
+          <a:p>
+            <a:pPr marL="0" indent="0" algn="ctr">
+              <a:buNone/>
+            </a:pPr>
+            <a:r>
+              <a:rPr lang="zh-CN" altLang="en-US" sz="6400" b="1" dirty="0">
+                <a:solidFill>
+                  <a:srgbClr val="000066"/>
+                </a:solidFill>
+                <a:effectLst/>
+                <a:latin typeface="Microsoft JhengHei" pitchFamily="34" charset="-120"/>
+                <a:ea typeface="Microsoft JhengHei" pitchFamily="34" charset="-120"/>
+              </a:rPr>
+              <a:t>能忘俗慮靜拜真神</a:t>
+            </a:r>
+            <a:endParaRPr lang="en-US" altLang="zh-CN" sz="6400" b="1" dirty="0">
+              <a:solidFill>
+                <a:srgbClr val="000066"/>
+              </a:solidFill>
+              <a:effectLst/>
+              <a:latin typeface="Microsoft JhengHei" pitchFamily="34" charset="-120"/>
+              <a:ea typeface="Microsoft JhengHei" pitchFamily="34" charset="-120"/>
+            </a:endParaRPr>
+          </a:p>
+        </p:txBody>
+      </p:sp>
+      <p:sp>
+        <p:nvSpPr>
+          <p:cNvPr id="3" name="TextBox 2">
+            <a:extLst>
+              <a:ext uri="{FF2B5EF4-FFF2-40B4-BE49-F238E27FC236}">
+                <a16:creationId xmlns:a16="http://schemas.microsoft.com/office/drawing/2014/main" id="{8889C747-199F-7CC9-C755-1BC5F9350203}"/>
+              </a:ext>
+            </a:extLst>
+          </p:cNvPr>
+          <p:cNvSpPr txBox="1"/>
+          <p:nvPr/>
+        </p:nvSpPr>
+        <p:spPr>
+          <a:xfrm>
+            <a:off x="0" y="5061182"/>
+            <a:ext cx="12192000" cy="646331"/>
+          </a:xfrm>
+          <a:prstGeom prst="rect">
+            <a:avLst/>
+          </a:prstGeom>
+          <a:noFill/>
+        </p:spPr>
+        <p:txBody>
+          <a:bodyPr wrap="square" rtlCol="0">
+            <a:spAutoFit/>
+          </a:bodyPr>
+          <a:lstStyle/>
+          <a:p>
+            <a:pPr algn="ctr"/>
+            <a:r>
+              <a:rPr lang="en-US" sz="3600" b="1" dirty="0">
+                <a:solidFill>
+                  <a:srgbClr val="000066"/>
+                </a:solidFill>
+                <a:effectLst/>
+              </a:rPr>
+              <a:t>( 1 / 3 )</a:t>
+            </a:r>
+            <a:endParaRPr lang="vi-VN" sz="3600" b="1" dirty="0">
+              <a:solidFill>
+                <a:srgbClr val="000066"/>
+              </a:solidFill>
+              <a:effectLst/>
+            </a:endParaRPr>
+          </a:p>
+        </p:txBody>
+      </p:sp>
+    </p:spTree>
+    <p:extLst>
+      <p:ext uri="{BB962C8B-B14F-4D97-AF65-F5344CB8AC3E}">
+        <p14:creationId xmlns:p14="http://schemas.microsoft.com/office/powerpoint/2010/main" val="4235822367"/>
+      </p:ext>
+    </p:extLst>
+  </p:cSld>
+  <p:clrMapOvr>
+    <a:masterClrMapping/>
+  </p:clrMapOvr>
+</p:sld>
+</file>
+
+<file path=ppt/slides/slide43.xml><?xml version="1.0" encoding="utf-8"?>
+<p:sld xmlns:a="http://schemas.openxmlformats.org/drawingml/2006/main" xmlns:r="http://schemas.openxmlformats.org/officeDocument/2006/relationships" xmlns:p="http://schemas.openxmlformats.org/presentationml/2006/main">
+  <p:cSld>
+    <p:spTree>
+      <p:nvGrpSpPr>
+        <p:cNvPr id="1" name="">
+          <a:extLst>
+            <a:ext uri="{FF2B5EF4-FFF2-40B4-BE49-F238E27FC236}">
+              <a16:creationId xmlns:a16="http://schemas.microsoft.com/office/drawing/2014/main" id="{36124E91-0F3F-1E99-63ED-6A0E038607B6}"/>
+            </a:ext>
+          </a:extLst>
+        </p:cNvPr>
+        <p:cNvGrpSpPr/>
+        <p:nvPr/>
+      </p:nvGrpSpPr>
+      <p:grpSpPr>
+        <a:xfrm>
+          <a:off x="0" y="0"/>
+          <a:ext cx="0" cy="0"/>
+          <a:chOff x="0" y="0"/>
+          <a:chExt cx="0" cy="0"/>
+        </a:xfrm>
+      </p:grpSpPr>
+      <p:sp>
+        <p:nvSpPr>
+          <p:cNvPr id="5" name="內容版面配置區 4">
+            <a:extLst>
+              <a:ext uri="{FF2B5EF4-FFF2-40B4-BE49-F238E27FC236}">
+                <a16:creationId xmlns:a16="http://schemas.microsoft.com/office/drawing/2014/main" id="{AA70C9CA-AB1F-8F06-7C33-3ACF2E550AC9}"/>
+              </a:ext>
+            </a:extLst>
+          </p:cNvPr>
+          <p:cNvSpPr>
+            <a:spLocks noGrp="1"/>
+          </p:cNvSpPr>
+          <p:nvPr>
+            <p:ph idx="1"/>
+          </p:nvPr>
+        </p:nvSpPr>
+        <p:spPr>
+          <a:xfrm>
+            <a:off x="0" y="2084851"/>
+            <a:ext cx="12192000" cy="2404863"/>
+          </a:xfrm>
+        </p:spPr>
+        <p:txBody>
+          <a:bodyPr anchor="ctr">
+            <a:normAutofit/>
+          </a:bodyPr>
+          <a:lstStyle/>
+          <a:p>
+            <a:pPr marL="0" indent="0" algn="ctr">
+              <a:buNone/>
+            </a:pPr>
+            <a:r>
+              <a:rPr lang="zh-CN" altLang="en-US" sz="6400" b="1" dirty="0">
+                <a:solidFill>
+                  <a:srgbClr val="000066"/>
+                </a:solidFill>
+                <a:effectLst/>
+                <a:latin typeface="Microsoft JhengHei" pitchFamily="34" charset="-120"/>
+                <a:ea typeface="Microsoft JhengHei" pitchFamily="34" charset="-120"/>
+              </a:rPr>
+              <a:t>施恩座前誠敬下俯</a:t>
+            </a:r>
+            <a:endParaRPr lang="en-US" altLang="zh-CN" sz="6400" b="1" dirty="0">
+              <a:solidFill>
+                <a:srgbClr val="000066"/>
+              </a:solidFill>
+              <a:effectLst/>
+              <a:latin typeface="Microsoft JhengHei" pitchFamily="34" charset="-120"/>
+              <a:ea typeface="Microsoft JhengHei" pitchFamily="34" charset="-120"/>
+            </a:endParaRPr>
+          </a:p>
+          <a:p>
+            <a:pPr marL="0" indent="0" algn="ctr">
+              <a:buNone/>
+            </a:pPr>
+            <a:r>
+              <a:rPr lang="zh-CN" altLang="en-US" sz="6400" b="1" dirty="0">
+                <a:solidFill>
+                  <a:srgbClr val="000066"/>
+                </a:solidFill>
+                <a:effectLst/>
+                <a:latin typeface="Microsoft JhengHei" pitchFamily="34" charset="-120"/>
+                <a:ea typeface="Microsoft JhengHei" pitchFamily="34" charset="-120"/>
+              </a:rPr>
+              <a:t>諸般所欲祈求天父</a:t>
+            </a:r>
+            <a:endParaRPr lang="en-US" altLang="zh-CN" sz="6400" b="1" dirty="0">
+              <a:solidFill>
+                <a:srgbClr val="000066"/>
+              </a:solidFill>
+              <a:effectLst/>
+              <a:latin typeface="Microsoft JhengHei" pitchFamily="34" charset="-120"/>
+              <a:ea typeface="Microsoft JhengHei" pitchFamily="34" charset="-120"/>
+            </a:endParaRPr>
+          </a:p>
+        </p:txBody>
+      </p:sp>
+      <p:sp>
+        <p:nvSpPr>
+          <p:cNvPr id="3" name="TextBox 2">
+            <a:extLst>
+              <a:ext uri="{FF2B5EF4-FFF2-40B4-BE49-F238E27FC236}">
+                <a16:creationId xmlns:a16="http://schemas.microsoft.com/office/drawing/2014/main" id="{84D0988D-F29D-A4AD-9A12-59719535C4BF}"/>
+              </a:ext>
+            </a:extLst>
+          </p:cNvPr>
+          <p:cNvSpPr txBox="1"/>
+          <p:nvPr/>
+        </p:nvSpPr>
+        <p:spPr>
+          <a:xfrm>
+            <a:off x="0" y="5061182"/>
+            <a:ext cx="12192000" cy="646331"/>
+          </a:xfrm>
+          <a:prstGeom prst="rect">
+            <a:avLst/>
+          </a:prstGeom>
+          <a:noFill/>
+        </p:spPr>
+        <p:txBody>
+          <a:bodyPr wrap="square" rtlCol="0">
+            <a:spAutoFit/>
+          </a:bodyPr>
+          <a:lstStyle/>
+          <a:p>
+            <a:pPr algn="ctr"/>
+            <a:r>
+              <a:rPr lang="en-US" sz="3600" b="1" dirty="0">
+                <a:solidFill>
+                  <a:srgbClr val="000066"/>
+                </a:solidFill>
+              </a:rPr>
+              <a:t>( 1 / 3 )</a:t>
+            </a:r>
+            <a:endParaRPr lang="vi-VN" sz="3600" b="1" dirty="0">
+              <a:solidFill>
+                <a:srgbClr val="000066"/>
+              </a:solidFill>
+            </a:endParaRPr>
+          </a:p>
+        </p:txBody>
+      </p:sp>
+    </p:spTree>
+    <p:extLst>
+      <p:ext uri="{BB962C8B-B14F-4D97-AF65-F5344CB8AC3E}">
+        <p14:creationId xmlns:p14="http://schemas.microsoft.com/office/powerpoint/2010/main" val="699778298"/>
       </p:ext>
     </p:extLst>
   </p:cSld>
